--- a/src/spliced_aln/Olego_SA.pptx
+++ b/src/spliced_aln/Olego_SA.pptx
@@ -206,7 +206,7 @@
           <a:p>
             <a:fld id="{2A9421B4-94D4-F648-858F-61EAD0B14ECA}" type="datetimeFigureOut">
               <a:rPr lang="en-US" smtClean="0"/>
-              <a:t>6/14/16</a:t>
+              <a:t>6/15/16</a:t>
             </a:fld>
             <a:endParaRPr lang="en-US"/>
           </a:p>
@@ -1054,7 +1054,7 @@
           <a:p>
             <a:fld id="{1E9BC6DA-07B3-C146-9857-19446BE8652F}" type="datetimeFigureOut">
               <a:rPr lang="en-US" smtClean="0"/>
-              <a:t>6/14/16</a:t>
+              <a:t>6/15/16</a:t>
             </a:fld>
             <a:endParaRPr lang="en-US"/>
           </a:p>
@@ -1229,7 +1229,7 @@
           <a:p>
             <a:fld id="{1E9BC6DA-07B3-C146-9857-19446BE8652F}" type="datetimeFigureOut">
               <a:rPr lang="en-US" smtClean="0"/>
-              <a:t>6/14/16</a:t>
+              <a:t>6/15/16</a:t>
             </a:fld>
             <a:endParaRPr lang="en-US"/>
           </a:p>
@@ -1409,7 +1409,7 @@
           <a:p>
             <a:fld id="{1E9BC6DA-07B3-C146-9857-19446BE8652F}" type="datetimeFigureOut">
               <a:rPr lang="en-US" smtClean="0"/>
-              <a:t>6/14/16</a:t>
+              <a:t>6/15/16</a:t>
             </a:fld>
             <a:endParaRPr lang="en-US"/>
           </a:p>
@@ -1584,7 +1584,7 @@
           <a:p>
             <a:fld id="{1E9BC6DA-07B3-C146-9857-19446BE8652F}" type="datetimeFigureOut">
               <a:rPr lang="en-US" smtClean="0"/>
-              <a:t>6/14/16</a:t>
+              <a:t>6/15/16</a:t>
             </a:fld>
             <a:endParaRPr lang="en-US"/>
           </a:p>
@@ -1828,7 +1828,7 @@
           <a:p>
             <a:fld id="{1E9BC6DA-07B3-C146-9857-19446BE8652F}" type="datetimeFigureOut">
               <a:rPr lang="en-US" smtClean="0"/>
-              <a:t>6/14/16</a:t>
+              <a:t>6/15/16</a:t>
             </a:fld>
             <a:endParaRPr lang="en-US"/>
           </a:p>
@@ -2065,7 +2065,7 @@
           <a:p>
             <a:fld id="{1E9BC6DA-07B3-C146-9857-19446BE8652F}" type="datetimeFigureOut">
               <a:rPr lang="en-US" smtClean="0"/>
-              <a:t>6/14/16</a:t>
+              <a:t>6/15/16</a:t>
             </a:fld>
             <a:endParaRPr lang="en-US"/>
           </a:p>
@@ -2437,7 +2437,7 @@
           <a:p>
             <a:fld id="{1E9BC6DA-07B3-C146-9857-19446BE8652F}" type="datetimeFigureOut">
               <a:rPr lang="en-US" smtClean="0"/>
-              <a:t>6/14/16</a:t>
+              <a:t>6/15/16</a:t>
             </a:fld>
             <a:endParaRPr lang="en-US"/>
           </a:p>
@@ -2560,7 +2560,7 @@
           <a:p>
             <a:fld id="{1E9BC6DA-07B3-C146-9857-19446BE8652F}" type="datetimeFigureOut">
               <a:rPr lang="en-US" smtClean="0"/>
-              <a:t>6/14/16</a:t>
+              <a:t>6/15/16</a:t>
             </a:fld>
             <a:endParaRPr lang="en-US"/>
           </a:p>
@@ -2655,7 +2655,7 @@
           <a:p>
             <a:fld id="{1E9BC6DA-07B3-C146-9857-19446BE8652F}" type="datetimeFigureOut">
               <a:rPr lang="en-US" smtClean="0"/>
-              <a:t>6/14/16</a:t>
+              <a:t>6/15/16</a:t>
             </a:fld>
             <a:endParaRPr lang="en-US"/>
           </a:p>
@@ -2937,7 +2937,7 @@
           <a:p>
             <a:fld id="{1E9BC6DA-07B3-C146-9857-19446BE8652F}" type="datetimeFigureOut">
               <a:rPr lang="en-US" smtClean="0"/>
-              <a:t>6/14/16</a:t>
+              <a:t>6/15/16</a:t>
             </a:fld>
             <a:endParaRPr lang="en-US"/>
           </a:p>
@@ -3199,7 +3199,7 @@
           <a:p>
             <a:fld id="{1E9BC6DA-07B3-C146-9857-19446BE8652F}" type="datetimeFigureOut">
               <a:rPr lang="en-US" smtClean="0"/>
-              <a:t>6/14/16</a:t>
+              <a:t>6/15/16</a:t>
             </a:fld>
             <a:endParaRPr lang="en-US"/>
           </a:p>
@@ -3412,7 +3412,7 @@
           <a:p>
             <a:fld id="{1E9BC6DA-07B3-C146-9857-19446BE8652F}" type="datetimeFigureOut">
               <a:rPr lang="en-US" smtClean="0"/>
-              <a:t>6/14/16</a:t>
+              <a:t>6/15/16</a:t>
             </a:fld>
             <a:endParaRPr lang="en-US"/>
           </a:p>
@@ -6260,7 +6260,7 @@
         <p:spPr>
           <a:xfrm>
             <a:off x="2740060" y="1720181"/>
-            <a:ext cx="641266" cy="276999"/>
+            <a:ext cx="662169" cy="276999"/>
           </a:xfrm>
           <a:prstGeom prst="rect">
             <a:avLst/>
@@ -6275,7 +6275,7 @@
           <a:p>
             <a:r>
               <a:rPr lang="en-US" sz="1200" dirty="0" smtClean="0"/>
-              <a:t>Word 1</a:t>
+              <a:t>word_1</a:t>
             </a:r>
             <a:endParaRPr lang="en-US" sz="1200" dirty="0"/>
           </a:p>
@@ -6358,7 +6358,7 @@
         <p:spPr>
           <a:xfrm>
             <a:off x="2514419" y="3129667"/>
-            <a:ext cx="981102" cy="276999"/>
+            <a:ext cx="1098186" cy="276999"/>
           </a:xfrm>
           <a:prstGeom prst="rect">
             <a:avLst/>
@@ -6373,7 +6373,7 @@
           <a:p>
             <a:r>
               <a:rPr lang="en-US" altLang="zh-CN" sz="1200" dirty="0" smtClean="0"/>
-              <a:t>Word 1,2,3</a:t>
+              <a:t>word_{1,2,3}</a:t>
             </a:r>
             <a:r>
               <a:rPr lang="is-IS" sz="1200" dirty="0" smtClean="0"/>
@@ -6628,7 +6628,7 @@
         <p:spPr>
           <a:xfrm>
             <a:off x="3850566" y="1717739"/>
-            <a:ext cx="641266" cy="276999"/>
+            <a:ext cx="662169" cy="276999"/>
           </a:xfrm>
           <a:prstGeom prst="rect">
             <a:avLst/>
@@ -6643,7 +6643,11 @@
           <a:p>
             <a:r>
               <a:rPr lang="en-US" altLang="zh-CN" sz="1200" dirty="0" smtClean="0"/>
-              <a:t>Word 2</a:t>
+              <a:t>w</a:t>
+            </a:r>
+            <a:r>
+              <a:rPr lang="en-US" altLang="zh-CN" sz="1200" dirty="0" smtClean="0"/>
+              <a:t>ord_2</a:t>
             </a:r>
             <a:endParaRPr lang="en-US" altLang="zh-CN" sz="1200" dirty="0"/>
           </a:p>
@@ -6658,7 +6662,7 @@
         <p:spPr>
           <a:xfrm>
             <a:off x="4992301" y="1717738"/>
-            <a:ext cx="641266" cy="276999"/>
+            <a:ext cx="662169" cy="276999"/>
           </a:xfrm>
           <a:prstGeom prst="rect">
             <a:avLst/>
@@ -6673,7 +6677,7 @@
           <a:p>
             <a:r>
               <a:rPr lang="en-US" altLang="zh-CN" sz="1200" dirty="0" smtClean="0"/>
-              <a:t>Word 3</a:t>
+              <a:t>word_3</a:t>
             </a:r>
             <a:endParaRPr lang="en-US" altLang="zh-CN" sz="1200" dirty="0"/>
           </a:p>
@@ -6687,8 +6691,8 @@
         </p:nvSpPr>
         <p:spPr>
           <a:xfrm>
-            <a:off x="6134036" y="1720181"/>
-            <a:ext cx="641266" cy="276999"/>
+            <a:off x="6248002" y="1731275"/>
+            <a:ext cx="662169" cy="276999"/>
           </a:xfrm>
           <a:prstGeom prst="rect">
             <a:avLst/>
@@ -6702,8 +6706,8 @@
           <a:lstStyle/>
           <a:p>
             <a:r>
-              <a:rPr lang="en-US" altLang="zh-CN" sz="1200" dirty="0" smtClean="0"/>
-              <a:t>Word 4</a:t>
+              <a:rPr lang="en-US" altLang="zh-CN" sz="1200" smtClean="0"/>
+              <a:t>word_4</a:t>
             </a:r>
             <a:endParaRPr lang="en-US" altLang="zh-CN" sz="1200" dirty="0"/>
           </a:p>
@@ -6864,8 +6868,8 @@
         </p:nvSpPr>
         <p:spPr>
           <a:xfrm>
-            <a:off x="3974901" y="94894"/>
-            <a:ext cx="2492092" cy="461665"/>
+            <a:off x="3440184" y="110673"/>
+            <a:ext cx="2536720" cy="461665"/>
           </a:xfrm>
           <a:prstGeom prst="rect">
             <a:avLst/>
@@ -6883,8 +6887,12 @@
               <a:t>Word and </a:t>
             </a:r>
             <a:r>
+              <a:rPr lang="en-US" sz="2400" dirty="0" err="1"/>
+              <a:t>W</a:t>
+            </a:r>
+            <a:r>
               <a:rPr lang="en-US" sz="2400" dirty="0" err="1" smtClean="0"/>
-              <a:t>wordHit</a:t>
+              <a:t>ordHit</a:t>
             </a:r>
             <a:endParaRPr lang="en-US" sz="2400" dirty="0"/>
           </a:p>
@@ -7496,8 +7504,12 @@
               <a:t>is called as a </a:t>
             </a:r>
             <a:r>
+              <a:rPr lang="en-US" sz="1600" dirty="0" err="1"/>
+              <a:t>W</a:t>
+            </a:r>
+            <a:r>
               <a:rPr lang="en-US" sz="1600" dirty="0" err="1" smtClean="0"/>
-              <a:t>wordhit</a:t>
+              <a:t>ordhit</a:t>
             </a:r>
             <a:endParaRPr lang="en-US" sz="1600" dirty="0" smtClean="0"/>
           </a:p>
@@ -7788,7 +7800,7 @@
             <a:pPr algn="ctr"/>
             <a:r>
               <a:rPr lang="en-US" sz="1350" dirty="0" smtClean="0"/>
-              <a:t>Word 1</a:t>
+              <a:t>word_1</a:t>
             </a:r>
             <a:endParaRPr lang="en-US" sz="1350" dirty="0"/>
           </a:p>
@@ -7832,7 +7844,7 @@
             <a:pPr algn="ctr"/>
             <a:r>
               <a:rPr lang="en-US" altLang="zh-CN" sz="1350" dirty="0" smtClean="0"/>
-              <a:t>Word 2</a:t>
+              <a:t>word_2</a:t>
             </a:r>
             <a:endParaRPr lang="en-US" altLang="zh-CN" sz="1350" dirty="0"/>
           </a:p>
@@ -7876,7 +7888,7 @@
             <a:pPr algn="ctr"/>
             <a:r>
               <a:rPr lang="en-US" altLang="zh-CN" sz="1350" dirty="0" smtClean="0"/>
-              <a:t>Word 3</a:t>
+              <a:t>word_3</a:t>
             </a:r>
             <a:endParaRPr lang="en-US" altLang="zh-CN" sz="1350" dirty="0"/>
           </a:p>
@@ -7920,7 +7932,7 @@
             <a:pPr algn="ctr"/>
             <a:r>
               <a:rPr lang="en-US" altLang="zh-CN" sz="1350" dirty="0" smtClean="0"/>
-              <a:t>Word 4</a:t>
+              <a:t>word_4</a:t>
             </a:r>
             <a:endParaRPr lang="en-US" altLang="zh-CN" sz="1350" dirty="0"/>
           </a:p>
@@ -8220,7 +8232,7 @@
         <p:spPr>
           <a:xfrm>
             <a:off x="3305328" y="175646"/>
-            <a:ext cx="2786725" cy="461665"/>
+            <a:ext cx="2861809" cy="461665"/>
           </a:xfrm>
           <a:prstGeom prst="rect">
             <a:avLst/>
@@ -8238,8 +8250,12 @@
               <a:t>Form </a:t>
             </a:r>
             <a:r>
+              <a:rPr lang="en-US" sz="2400" dirty="0" err="1" smtClean="0"/>
+              <a:t>W</a:t>
+            </a:r>
+            <a:r>
               <a:rPr lang="en-US" altLang="zh-CN" sz="2400" dirty="0" err="1" smtClean="0"/>
-              <a:t>wordhitsGroup</a:t>
+              <a:t>ordHitsGroup</a:t>
             </a:r>
             <a:endParaRPr lang="en-US" sz="2400" dirty="0"/>
           </a:p>
@@ -8254,7 +8270,7 @@
         <p:spPr>
           <a:xfrm>
             <a:off x="1447951" y="1505770"/>
-            <a:ext cx="871540" cy="239084"/>
+            <a:ext cx="948116" cy="239084"/>
           </a:xfrm>
           <a:prstGeom prst="rect">
             <a:avLst/>
@@ -8283,7 +8299,7 @@
             <a:pPr algn="ctr"/>
             <a:r>
               <a:rPr lang="en-US" sz="1400" smtClean="0"/>
-              <a:t>wordhit1 </a:t>
+              <a:t>wordhit_1 </a:t>
             </a:r>
             <a:endParaRPr lang="en-US" sz="1400" dirty="0"/>
           </a:p>
@@ -8298,7 +8314,7 @@
         <p:spPr>
           <a:xfrm>
             <a:off x="2704263" y="1507111"/>
-            <a:ext cx="826337" cy="237743"/>
+            <a:ext cx="927937" cy="237743"/>
           </a:xfrm>
           <a:prstGeom prst="rect">
             <a:avLst/>
@@ -8327,7 +8343,7 @@
             <a:pPr algn="ctr"/>
             <a:r>
               <a:rPr lang="en-US" sz="1350" smtClean="0"/>
-              <a:t>wordhit2</a:t>
+              <a:t>wordhit_2</a:t>
             </a:r>
             <a:endParaRPr lang="en-US" sz="1350" dirty="0"/>
           </a:p>
@@ -8386,7 +8402,7 @@
         <p:spPr>
           <a:xfrm>
             <a:off x="7825131" y="1507110"/>
-            <a:ext cx="844735" cy="239084"/>
+            <a:ext cx="929402" cy="239084"/>
           </a:xfrm>
           <a:prstGeom prst="rect">
             <a:avLst/>
@@ -8420,7 +8436,7 @@
             <a:pPr algn="ctr"/>
             <a:r>
               <a:rPr lang="en-US" sz="1350" smtClean="0"/>
-              <a:t>wordhit3</a:t>
+              <a:t>wordhit_3</a:t>
             </a:r>
             <a:endParaRPr lang="en-US" sz="1350" dirty="0"/>
           </a:p>
@@ -8473,7 +8489,7 @@
         <p:spPr>
           <a:xfrm>
             <a:off x="1796920" y="1915850"/>
-            <a:ext cx="1146083" cy="307777"/>
+            <a:ext cx="1434624" cy="307777"/>
           </a:xfrm>
           <a:prstGeom prst="rect">
             <a:avLst/>
@@ -8487,12 +8503,8 @@
           <a:lstStyle/>
           <a:p>
             <a:r>
-              <a:rPr lang="en-US" altLang="zh-CN" sz="1400" dirty="0" err="1"/>
-              <a:t>wordGroup</a:t>
-            </a:r>
-            <a:r>
-              <a:rPr lang="en-US" altLang="zh-CN" sz="1400" dirty="0"/>
-              <a:t> </a:t>
+              <a:rPr lang="en-US" altLang="zh-CN" sz="1400" dirty="0" smtClean="0"/>
+              <a:t>wordhitsgroup_</a:t>
             </a:r>
             <a:r>
               <a:rPr lang="en-US" sz="1350" dirty="0" smtClean="0"/>
@@ -8589,7 +8601,7 @@
         <p:spPr>
           <a:xfrm>
             <a:off x="1372107" y="2887215"/>
-            <a:ext cx="860904" cy="239084"/>
+            <a:ext cx="905426" cy="239084"/>
           </a:xfrm>
           <a:prstGeom prst="rect">
             <a:avLst/>
@@ -8618,7 +8630,7 @@
             <a:pPr algn="ctr"/>
             <a:r>
               <a:rPr lang="en-US" sz="1350" smtClean="0"/>
-              <a:t>wordhit1</a:t>
+              <a:t>wordhit_1</a:t>
             </a:r>
             <a:endParaRPr lang="en-US" sz="1350" dirty="0"/>
           </a:p>
@@ -8633,7 +8645,7 @@
         <p:spPr>
           <a:xfrm>
             <a:off x="2647501" y="2885875"/>
-            <a:ext cx="830109" cy="239084"/>
+            <a:ext cx="908499" cy="239084"/>
           </a:xfrm>
           <a:prstGeom prst="rect">
             <a:avLst/>
@@ -8662,7 +8674,7 @@
             <a:pPr algn="ctr"/>
             <a:r>
               <a:rPr lang="en-US" sz="1350" smtClean="0"/>
-              <a:t>wordhit2</a:t>
+              <a:t>wordhit_2</a:t>
             </a:r>
             <a:endParaRPr lang="en-US" sz="1350" dirty="0"/>
           </a:p>
@@ -8715,7 +8727,7 @@
         <p:spPr>
           <a:xfrm>
             <a:off x="1355479" y="4310987"/>
-            <a:ext cx="7014356" cy="369332"/>
+            <a:ext cx="7102072" cy="369332"/>
           </a:xfrm>
           <a:prstGeom prst="rect">
             <a:avLst/>
@@ -8734,7 +8746,11 @@
             </a:r>
             <a:r>
               <a:rPr lang="en-US" dirty="0" err="1" smtClean="0"/>
-              <a:t>wordhits</a:t>
+              <a:t>W</a:t>
+            </a:r>
+            <a:r>
+              <a:rPr lang="en-US" dirty="0" err="1" smtClean="0"/>
+              <a:t>ordHits</a:t>
             </a:r>
             <a:r>
               <a:rPr lang="en-US" dirty="0" smtClean="0"/>
@@ -8761,8 +8777,12 @@
               <a:t>reference, then form the </a:t>
             </a:r>
             <a:r>
+              <a:rPr lang="en-US" dirty="0" err="1" smtClean="0"/>
+              <a:t>W</a:t>
+            </a:r>
+            <a:r>
               <a:rPr lang="en-US" altLang="zh-CN" dirty="0" err="1" smtClean="0"/>
-              <a:t>wordhitsGroup</a:t>
+              <a:t>ordHitsGroup</a:t>
             </a:r>
             <a:endParaRPr lang="en-US" dirty="0"/>
           </a:p>
@@ -8801,7 +8821,11 @@
             </a:r>
             <a:r>
               <a:rPr lang="en-US" sz="1500" dirty="0" err="1" smtClean="0"/>
-              <a:t>wordhits</a:t>
+              <a:t>W</a:t>
+            </a:r>
+            <a:r>
+              <a:rPr lang="en-US" sz="1500" dirty="0" err="1" smtClean="0"/>
+              <a:t>ordHits</a:t>
             </a:r>
             <a:endParaRPr lang="en-US" sz="1500" dirty="0" smtClean="0"/>
           </a:p>
@@ -8816,7 +8840,7 @@
         <p:spPr>
           <a:xfrm>
             <a:off x="7300764" y="1954546"/>
-            <a:ext cx="1146083" cy="307777"/>
+            <a:ext cx="1434624" cy="307777"/>
           </a:xfrm>
           <a:prstGeom prst="rect">
             <a:avLst/>
@@ -8830,15 +8854,11 @@
           <a:lstStyle/>
           <a:p>
             <a:r>
-              <a:rPr lang="en-US" altLang="zh-CN" sz="1400" dirty="0" err="1"/>
-              <a:t>wordGroup</a:t>
-            </a:r>
-            <a:r>
-              <a:rPr lang="en-US" altLang="zh-CN" sz="1400" dirty="0"/>
-              <a:t> </a:t>
-            </a:r>
-            <a:r>
-              <a:rPr lang="en-US" altLang="zh-CN" sz="1350" dirty="0" smtClean="0"/>
+              <a:rPr lang="en-US" altLang="zh-CN" sz="1400" dirty="0" smtClean="0"/>
+              <a:t>wordhitsgroup_</a:t>
+            </a:r>
+            <a:r>
+              <a:rPr lang="en-US" altLang="zh-CN" sz="1350" dirty="0"/>
               <a:t>2</a:t>
             </a:r>
             <a:endParaRPr lang="en-US" sz="1350" dirty="0"/>
@@ -9079,7 +9099,7 @@
         <p:spPr>
           <a:xfrm>
             <a:off x="2700930" y="620071"/>
-            <a:ext cx="4430380" cy="369332"/>
+            <a:ext cx="4542141" cy="369332"/>
           </a:xfrm>
           <a:prstGeom prst="rect">
             <a:avLst/>
@@ -9097,8 +9117,12 @@
               <a:t>Form </a:t>
             </a:r>
             <a:r>
+              <a:rPr lang="en-US" dirty="0" err="1" smtClean="0"/>
+              <a:t>W</a:t>
+            </a:r>
+            <a:r>
               <a:rPr lang="en-US" altLang="zh-CN" dirty="0" err="1" smtClean="0"/>
-              <a:t>wordhitsChunk</a:t>
+              <a:t>ordHitsChunk</a:t>
             </a:r>
             <a:r>
               <a:rPr lang="en-US" altLang="zh-CN" dirty="0" smtClean="0"/>
@@ -9113,8 +9137,12 @@
               <a:t>each </a:t>
             </a:r>
             <a:r>
+              <a:rPr lang="en-US" dirty="0" err="1" smtClean="0"/>
+              <a:t>W</a:t>
+            </a:r>
+            <a:r>
               <a:rPr lang="en-US" altLang="zh-CN" dirty="0" err="1" smtClean="0"/>
-              <a:t>wordhitsGroup</a:t>
+              <a:t>ordHitsGroup</a:t>
             </a:r>
             <a:endParaRPr lang="en-US" dirty="0"/>
           </a:p>
@@ -9247,7 +9275,7 @@
         <p:spPr>
           <a:xfrm>
             <a:off x="1971889" y="1750448"/>
-            <a:ext cx="1413785" cy="307777"/>
+            <a:ext cx="1434624" cy="307777"/>
           </a:xfrm>
           <a:prstGeom prst="rect">
             <a:avLst/>
@@ -9261,12 +9289,12 @@
           <a:lstStyle/>
           <a:p>
             <a:r>
-              <a:rPr lang="en-US" altLang="zh-CN" sz="1400" dirty="0" err="1" smtClean="0"/>
-              <a:t>wordhitsGroup</a:t>
-            </a:r>
-            <a:r>
               <a:rPr lang="en-US" altLang="zh-CN" sz="1400" dirty="0" smtClean="0"/>
-              <a:t> </a:t>
+              <a:t>wordhitsgroup</a:t>
+            </a:r>
+            <a:r>
+              <a:rPr lang="en-US" altLang="zh-CN" sz="1400" dirty="0"/>
+              <a:t>_</a:t>
             </a:r>
             <a:r>
               <a:rPr lang="en-US" sz="1350" dirty="0" smtClean="0"/>
@@ -10167,7 +10195,7 @@
         <p:spPr>
           <a:xfrm>
             <a:off x="286382" y="4894880"/>
-            <a:ext cx="5995937" cy="369332"/>
+            <a:ext cx="6106095" cy="369332"/>
           </a:xfrm>
           <a:prstGeom prst="rect">
             <a:avLst/>
@@ -10182,11 +10210,15 @@
           <a:p>
             <a:r>
               <a:rPr lang="en-US" dirty="0"/>
-              <a:t>Sorted and group by (</a:t>
+              <a:t>Sorted and group by </a:t>
+            </a:r>
+            <a:r>
+              <a:rPr lang="en-US" dirty="0" smtClean="0"/>
+              <a:t>(</a:t>
             </a:r>
             <a:r>
               <a:rPr lang="en-US" dirty="0" err="1" smtClean="0"/>
-              <a:t>wordhit</a:t>
+              <a:t>WordHit</a:t>
             </a:r>
             <a:r>
               <a:rPr lang="en-US" dirty="0" smtClean="0"/>
@@ -10198,15 +10230,11 @@
             </a:r>
             <a:r>
               <a:rPr lang="en-US" dirty="0" smtClean="0"/>
-              <a:t> </a:t>
-            </a:r>
-            <a:r>
-              <a:rPr lang="en-US" dirty="0"/>
-              <a:t>- </a:t>
+              <a:t> – </a:t>
             </a:r>
             <a:r>
               <a:rPr lang="en-US" dirty="0" err="1" smtClean="0"/>
-              <a:t>wordhit</a:t>
+              <a:t>WordHit</a:t>
             </a:r>
             <a:r>
               <a:rPr lang="en-US" dirty="0" smtClean="0"/>
@@ -10533,8 +10561,8 @@
         </p:nvSpPr>
         <p:spPr>
           <a:xfrm>
-            <a:off x="1276934" y="2534521"/>
-            <a:ext cx="662169" cy="276999"/>
+            <a:off x="1392885" y="2551236"/>
+            <a:ext cx="506870" cy="276999"/>
           </a:xfrm>
           <a:prstGeom prst="rect">
             <a:avLst/>
@@ -10548,8 +10576,8 @@
           <a:lstStyle/>
           <a:p>
             <a:r>
-              <a:rPr lang="en-US" sz="1200" dirty="0" smtClean="0"/>
-              <a:t>word_3</a:t>
+              <a:rPr lang="en-US" sz="1200" smtClean="0"/>
+              <a:t>hit_3</a:t>
             </a:r>
             <a:endParaRPr lang="en-US" sz="1200" dirty="0"/>
           </a:p>
@@ -10563,8 +10591,8 @@
         </p:nvSpPr>
         <p:spPr>
           <a:xfrm>
-            <a:off x="1884317" y="2536918"/>
-            <a:ext cx="662169" cy="276999"/>
+            <a:off x="1983101" y="2542959"/>
+            <a:ext cx="506870" cy="276999"/>
           </a:xfrm>
           <a:prstGeom prst="rect">
             <a:avLst/>
@@ -10578,9 +10606,10 @@
           <a:lstStyle/>
           <a:p>
             <a:r>
-              <a:rPr lang="en-US" sz="1200" dirty="0"/>
-              <a:t>word_7</a:t>
-            </a:r>
+              <a:rPr lang="en-US" sz="1200" smtClean="0"/>
+              <a:t>hit_7</a:t>
+            </a:r>
+            <a:endParaRPr lang="en-US" sz="1200" dirty="0"/>
           </a:p>
         </p:txBody>
       </p:sp>
@@ -10592,8 +10621,8 @@
         </p:nvSpPr>
         <p:spPr>
           <a:xfrm>
-            <a:off x="2426501" y="2527951"/>
-            <a:ext cx="662169" cy="276999"/>
+            <a:off x="2509510" y="2536313"/>
+            <a:ext cx="506870" cy="276999"/>
           </a:xfrm>
           <a:prstGeom prst="rect">
             <a:avLst/>
@@ -10608,7 +10637,7 @@
           <a:p>
             <a:r>
               <a:rPr lang="en-US" sz="1200" smtClean="0"/>
-              <a:t>word_6</a:t>
+              <a:t>hit_6</a:t>
             </a:r>
             <a:endParaRPr lang="en-US" sz="1200" dirty="0"/>
           </a:p>
@@ -10739,7 +10768,7 @@
         <p:spPr>
           <a:xfrm>
             <a:off x="2991340" y="2527951"/>
-            <a:ext cx="662169" cy="276999"/>
+            <a:ext cx="506870" cy="276999"/>
           </a:xfrm>
           <a:prstGeom prst="rect">
             <a:avLst/>
@@ -10753,12 +10782,8 @@
           <a:lstStyle/>
           <a:p>
             <a:r>
-              <a:rPr lang="en-US" sz="1200" dirty="0"/>
-              <a:t>w</a:t>
-            </a:r>
-            <a:r>
               <a:rPr lang="en-US" sz="1200" dirty="0" smtClean="0"/>
-              <a:t>ord_8</a:t>
+              <a:t>hit_8</a:t>
             </a:r>
             <a:endParaRPr lang="en-US" sz="1200" dirty="0"/>
           </a:p>
@@ -11684,8 +11709,8 @@
         </p:nvSpPr>
         <p:spPr>
           <a:xfrm>
-            <a:off x="4228635" y="1200280"/>
-            <a:ext cx="1603068" cy="369332"/>
+            <a:off x="3787317" y="692628"/>
+            <a:ext cx="1635704" cy="369332"/>
           </a:xfrm>
           <a:prstGeom prst="rect">
             <a:avLst/>
@@ -11699,8 +11724,12 @@
           <a:lstStyle/>
           <a:p>
             <a:r>
-              <a:rPr lang="en-US" altLang="zh-CN" dirty="0" err="1" smtClean="0"/>
-              <a:t>wordhitsChunk</a:t>
+              <a:rPr lang="en-US" altLang="zh-CN" dirty="0" err="1"/>
+              <a:t>W</a:t>
+            </a:r>
+            <a:r>
+              <a:rPr lang="en-US" altLang="zh-CN" smtClean="0"/>
+              <a:t>ordhitsChunk</a:t>
             </a:r>
             <a:endParaRPr lang="en-US" dirty="0"/>
           </a:p>
@@ -11923,12 +11952,16 @@
           <a:p>
             <a:pPr algn="ctr"/>
             <a:r>
-              <a:rPr lang="en-US" sz="1350" dirty="0" err="1" smtClean="0"/>
-              <a:t>Wordhit</a:t>
-            </a:r>
-            <a:r>
               <a:rPr lang="en-US" sz="1350" dirty="0" smtClean="0"/>
-              <a:t> 3</a:t>
+              <a:t>wordhit</a:t>
+            </a:r>
+            <a:r>
+              <a:rPr lang="en-US" sz="1350" dirty="0"/>
+              <a:t>_</a:t>
+            </a:r>
+            <a:r>
+              <a:rPr lang="en-US" sz="1350" dirty="0" smtClean="0"/>
+              <a:t>3</a:t>
             </a:r>
             <a:endParaRPr lang="en-US" sz="1350" dirty="0"/>
           </a:p>
@@ -11971,12 +12004,8 @@
           <a:p>
             <a:pPr algn="ctr"/>
             <a:r>
-              <a:rPr lang="en-US" sz="1350" dirty="0" err="1" smtClean="0"/>
-              <a:t>Wordhit</a:t>
-            </a:r>
-            <a:r>
               <a:rPr lang="en-US" sz="1350" dirty="0" smtClean="0"/>
-              <a:t> 5</a:t>
+              <a:t>wordhit_5</a:t>
             </a:r>
             <a:endParaRPr lang="en-US" sz="1350" dirty="0"/>
           </a:p>
@@ -12057,12 +12086,8 @@
           <a:p>
             <a:pPr algn="ctr"/>
             <a:r>
-              <a:rPr lang="en-US" sz="1350" smtClean="0"/>
-              <a:t>Wordhit</a:t>
-            </a:r>
-            <a:r>
               <a:rPr lang="en-US" sz="1350" dirty="0" smtClean="0"/>
-              <a:t> 3</a:t>
+              <a:t>wordhit_3</a:t>
             </a:r>
             <a:endParaRPr lang="en-US" sz="1350" dirty="0"/>
           </a:p>
@@ -12105,12 +12130,8 @@
           <a:p>
             <a:pPr algn="ctr"/>
             <a:r>
-              <a:rPr lang="en-US" sz="1350" dirty="0" err="1" smtClean="0"/>
-              <a:t>Wordhit</a:t>
-            </a:r>
-            <a:r>
               <a:rPr lang="en-US" sz="1350" dirty="0" smtClean="0"/>
-              <a:t> 5</a:t>
+              <a:t>wordhit_5</a:t>
             </a:r>
             <a:endParaRPr lang="en-US" sz="1350" dirty="0"/>
           </a:p>
@@ -12153,12 +12174,8 @@
           <a:p>
             <a:pPr algn="ctr"/>
             <a:r>
-              <a:rPr lang="en-US" sz="1350" dirty="0" err="1" smtClean="0"/>
-              <a:t>Wordhit</a:t>
-            </a:r>
-            <a:r>
               <a:rPr lang="en-US" sz="1350" dirty="0" smtClean="0"/>
-              <a:t> 3</a:t>
+              <a:t>wordhit_3</a:t>
             </a:r>
             <a:endParaRPr lang="en-US" sz="1350" dirty="0"/>
           </a:p>
@@ -12201,12 +12218,8 @@
           <a:p>
             <a:pPr algn="ctr"/>
             <a:r>
-              <a:rPr lang="en-US" sz="1350" dirty="0"/>
-              <a:t>W</a:t>
-            </a:r>
-            <a:r>
-              <a:rPr lang="en-US" sz="1350" smtClean="0"/>
-              <a:t>ordhit5</a:t>
+              <a:rPr lang="en-US" sz="1350" dirty="0" smtClean="0"/>
+              <a:t>wordhit_5</a:t>
             </a:r>
             <a:endParaRPr lang="en-US" sz="1350" dirty="0"/>
           </a:p>
@@ -12377,7 +12390,11 @@
           <a:p>
             <a:r>
               <a:rPr lang="en-US" altLang="zh-CN" dirty="0" err="1" smtClean="0"/>
-              <a:t>wordhitsChunk</a:t>
+              <a:t>W</a:t>
+            </a:r>
+            <a:r>
+              <a:rPr lang="en-US" altLang="zh-CN" dirty="0" err="1" smtClean="0"/>
+              <a:t>ordHitsChunk</a:t>
             </a:r>
             <a:endParaRPr lang="en-US" dirty="0"/>
           </a:p>
